--- a/docs/AnyQuant项目组织与交流.pptx
+++ b/docs/AnyQuant项目组织与交流.pptx
@@ -3367,7 +3367,15 @@
                   <a:schemeClr val="bg1"/>
                 </a:solidFill>
               </a:rPr>
-              <a:t>苏琰梓：</a:t>
+              <a:t>苏琰梓</a:t>
+            </a:r>
+            <a:r>
+              <a:rPr lang="zh-CN" altLang="en-US" sz="2800" dirty="0" smtClean="0">
+                <a:solidFill>
+                  <a:schemeClr val="bg1"/>
+                </a:solidFill>
+              </a:rPr>
+              <a:t>：负责分时图</a:t>
             </a:r>
             <a:endParaRPr lang="en-US" altLang="zh-CN" sz="2800" dirty="0" smtClean="0">
               <a:solidFill>
@@ -3406,15 +3414,7 @@
                   <a:schemeClr val="bg1"/>
                 </a:solidFill>
               </a:rPr>
-              <a:t>线图</a:t>
-            </a:r>
-            <a:r>
-              <a:rPr lang="zh-CN" altLang="en-US" sz="2800" dirty="0" smtClean="0">
-                <a:solidFill>
-                  <a:schemeClr val="bg1"/>
-                </a:solidFill>
-              </a:rPr>
-              <a:t>，从</a:t>
+              <a:t>线图，从</a:t>
             </a:r>
             <a:r>
               <a:rPr lang="en-US" altLang="zh-CN" sz="2800" dirty="0" smtClean="0">
@@ -3445,15 +3445,7 @@
                   <a:schemeClr val="bg1"/>
                 </a:solidFill>
               </a:rPr>
-              <a:t>周梦佳</a:t>
-            </a:r>
-            <a:r>
-              <a:rPr lang="zh-CN" altLang="en-US" sz="2800" dirty="0" smtClean="0">
-                <a:solidFill>
-                  <a:schemeClr val="bg1"/>
-                </a:solidFill>
-              </a:rPr>
-              <a:t>：负责折线图</a:t>
+              <a:t>周梦佳：负责折线图</a:t>
             </a:r>
             <a:endParaRPr lang="zh-CN" altLang="en-US" sz="2800" dirty="0">
               <a:solidFill>
